--- a/docs/4. estadistica.pptx
+++ b/docs/4. estadistica.pptx
@@ -22,6 +22,18 @@
     <p:sldId id="270" r:id="rId16"/>
     <p:sldId id="271" r:id="rId17"/>
     <p:sldId id="272" r:id="rId18"/>
+    <p:sldId id="273" r:id="rId19"/>
+    <p:sldId id="274" r:id="rId20"/>
+    <p:sldId id="275" r:id="rId21"/>
+    <p:sldId id="276" r:id="rId22"/>
+    <p:sldId id="278" r:id="rId23"/>
+    <p:sldId id="277" r:id="rId24"/>
+    <p:sldId id="279" r:id="rId25"/>
+    <p:sldId id="280" r:id="rId26"/>
+    <p:sldId id="281" r:id="rId27"/>
+    <p:sldId id="282" r:id="rId28"/>
+    <p:sldId id="283" r:id="rId29"/>
+    <p:sldId id="284" r:id="rId30"/>
   </p:sldIdLst>
   <p:sldSz cx="12192000" cy="6858000"/>
   <p:notesSz cx="6858000" cy="9144000"/>
@@ -277,7 +289,7 @@
           <a:p>
             <a:fld id="{2A760867-0D25-408A-9CC2-65325713D11B}" type="datetimeFigureOut">
               <a:rPr lang="es-CO" smtClean="0"/>
-              <a:t>20/05/2024</a:t>
+              <a:t>2/07/2024</a:t>
             </a:fld>
             <a:endParaRPr lang="es-CO"/>
           </a:p>
@@ -477,7 +489,7 @@
           <a:p>
             <a:fld id="{2A760867-0D25-408A-9CC2-65325713D11B}" type="datetimeFigureOut">
               <a:rPr lang="es-CO" smtClean="0"/>
-              <a:t>20/05/2024</a:t>
+              <a:t>2/07/2024</a:t>
             </a:fld>
             <a:endParaRPr lang="es-CO"/>
           </a:p>
@@ -687,7 +699,7 @@
           <a:p>
             <a:fld id="{2A760867-0D25-408A-9CC2-65325713D11B}" type="datetimeFigureOut">
               <a:rPr lang="es-CO" smtClean="0"/>
-              <a:t>20/05/2024</a:t>
+              <a:t>2/07/2024</a:t>
             </a:fld>
             <a:endParaRPr lang="es-CO"/>
           </a:p>
@@ -887,7 +899,7 @@
           <a:p>
             <a:fld id="{2A760867-0D25-408A-9CC2-65325713D11B}" type="datetimeFigureOut">
               <a:rPr lang="es-CO" smtClean="0"/>
-              <a:t>20/05/2024</a:t>
+              <a:t>2/07/2024</a:t>
             </a:fld>
             <a:endParaRPr lang="es-CO"/>
           </a:p>
@@ -1163,7 +1175,7 @@
           <a:p>
             <a:fld id="{2A760867-0D25-408A-9CC2-65325713D11B}" type="datetimeFigureOut">
               <a:rPr lang="es-CO" smtClean="0"/>
-              <a:t>20/05/2024</a:t>
+              <a:t>2/07/2024</a:t>
             </a:fld>
             <a:endParaRPr lang="es-CO"/>
           </a:p>
@@ -1431,7 +1443,7 @@
           <a:p>
             <a:fld id="{2A760867-0D25-408A-9CC2-65325713D11B}" type="datetimeFigureOut">
               <a:rPr lang="es-CO" smtClean="0"/>
-              <a:t>20/05/2024</a:t>
+              <a:t>2/07/2024</a:t>
             </a:fld>
             <a:endParaRPr lang="es-CO"/>
           </a:p>
@@ -1846,7 +1858,7 @@
           <a:p>
             <a:fld id="{2A760867-0D25-408A-9CC2-65325713D11B}" type="datetimeFigureOut">
               <a:rPr lang="es-CO" smtClean="0"/>
-              <a:t>20/05/2024</a:t>
+              <a:t>2/07/2024</a:t>
             </a:fld>
             <a:endParaRPr lang="es-CO"/>
           </a:p>
@@ -1988,7 +2000,7 @@
           <a:p>
             <a:fld id="{2A760867-0D25-408A-9CC2-65325713D11B}" type="datetimeFigureOut">
               <a:rPr lang="es-CO" smtClean="0"/>
-              <a:t>20/05/2024</a:t>
+              <a:t>2/07/2024</a:t>
             </a:fld>
             <a:endParaRPr lang="es-CO"/>
           </a:p>
@@ -2101,7 +2113,7 @@
           <a:p>
             <a:fld id="{2A760867-0D25-408A-9CC2-65325713D11B}" type="datetimeFigureOut">
               <a:rPr lang="es-CO" smtClean="0"/>
-              <a:t>20/05/2024</a:t>
+              <a:t>2/07/2024</a:t>
             </a:fld>
             <a:endParaRPr lang="es-CO"/>
           </a:p>
@@ -2414,7 +2426,7 @@
           <a:p>
             <a:fld id="{2A760867-0D25-408A-9CC2-65325713D11B}" type="datetimeFigureOut">
               <a:rPr lang="es-CO" smtClean="0"/>
-              <a:t>20/05/2024</a:t>
+              <a:t>2/07/2024</a:t>
             </a:fld>
             <a:endParaRPr lang="es-CO"/>
           </a:p>
@@ -2703,7 +2715,7 @@
           <a:p>
             <a:fld id="{2A760867-0D25-408A-9CC2-65325713D11B}" type="datetimeFigureOut">
               <a:rPr lang="es-CO" smtClean="0"/>
-              <a:t>20/05/2024</a:t>
+              <a:t>2/07/2024</a:t>
             </a:fld>
             <a:endParaRPr lang="es-CO"/>
           </a:p>
@@ -2946,7 +2958,7 @@
           <a:p>
             <a:fld id="{2A760867-0D25-408A-9CC2-65325713D11B}" type="datetimeFigureOut">
               <a:rPr lang="es-CO" smtClean="0"/>
-              <a:t>20/05/2024</a:t>
+              <a:t>2/07/2024</a:t>
             </a:fld>
             <a:endParaRPr lang="es-CO"/>
           </a:p>
@@ -4080,6 +4092,395 @@
 </p:sld>
 </file>
 
+<file path=ppt/slides/slide18.xml><?xml version="1.0" encoding="utf-8"?>
+<p:sld xmlns:a="http://schemas.openxmlformats.org/drawingml/2006/main" xmlns:r="http://schemas.openxmlformats.org/officeDocument/2006/relationships" xmlns:p="http://schemas.openxmlformats.org/presentationml/2006/main">
+  <p:cSld>
+    <p:spTree>
+      <p:nvGrpSpPr>
+        <p:cNvPr id="1" name=""/>
+        <p:cNvGrpSpPr/>
+        <p:nvPr/>
+      </p:nvGrpSpPr>
+      <p:grpSpPr>
+        <a:xfrm>
+          <a:off x="0" y="0"/>
+          <a:ext cx="0" cy="0"/>
+          <a:chOff x="0" y="0"/>
+          <a:chExt cx="0" cy="0"/>
+        </a:xfrm>
+      </p:grpSpPr>
+      <p:sp>
+        <p:nvSpPr>
+          <p:cNvPr id="2" name="Título 1">
+            <a:extLst>
+              <a:ext uri="{FF2B5EF4-FFF2-40B4-BE49-F238E27FC236}">
+                <a16:creationId xmlns:a16="http://schemas.microsoft.com/office/drawing/2014/main" id="{4A5710C6-DA23-4DF1-9A8D-425CF61F23C7}"/>
+              </a:ext>
+            </a:extLst>
+          </p:cNvPr>
+          <p:cNvSpPr>
+            <a:spLocks noGrp="1"/>
+          </p:cNvSpPr>
+          <p:nvPr>
+            <p:ph type="title"/>
+          </p:nvPr>
+        </p:nvSpPr>
+        <p:spPr/>
+        <p:txBody>
+          <a:bodyPr/>
+          <a:lstStyle/>
+          <a:p>
+            <a:r>
+              <a:rPr lang="es-MX" dirty="0"/>
+              <a:t>Variables aleatorias y distribuciones de probabilidad</a:t>
+            </a:r>
+            <a:endParaRPr lang="es-CO" dirty="0"/>
+          </a:p>
+        </p:txBody>
+      </p:sp>
+    </p:spTree>
+    <p:extLst>
+      <p:ext uri="{BB962C8B-B14F-4D97-AF65-F5344CB8AC3E}">
+        <p14:creationId xmlns:p14="http://schemas.microsoft.com/office/powerpoint/2010/main" val="3182516098"/>
+      </p:ext>
+    </p:extLst>
+  </p:cSld>
+  <p:clrMapOvr>
+    <a:masterClrMapping/>
+  </p:clrMapOvr>
+</p:sld>
+</file>
+
+<file path=ppt/slides/slide19.xml><?xml version="1.0" encoding="utf-8"?>
+<p:sld xmlns:a="http://schemas.openxmlformats.org/drawingml/2006/main" xmlns:r="http://schemas.openxmlformats.org/officeDocument/2006/relationships" xmlns:p="http://schemas.openxmlformats.org/presentationml/2006/main">
+  <p:cSld>
+    <p:spTree>
+      <p:nvGrpSpPr>
+        <p:cNvPr id="1" name=""/>
+        <p:cNvGrpSpPr/>
+        <p:nvPr/>
+      </p:nvGrpSpPr>
+      <p:grpSpPr>
+        <a:xfrm>
+          <a:off x="0" y="0"/>
+          <a:ext cx="0" cy="0"/>
+          <a:chOff x="0" y="0"/>
+          <a:chExt cx="0" cy="0"/>
+        </a:xfrm>
+      </p:grpSpPr>
+      <p:pic>
+        <p:nvPicPr>
+          <p:cNvPr id="5" name="Imagen 4">
+            <a:extLst>
+              <a:ext uri="{FF2B5EF4-FFF2-40B4-BE49-F238E27FC236}">
+                <a16:creationId xmlns:a16="http://schemas.microsoft.com/office/drawing/2014/main" id="{52551A90-7A6B-4487-8767-AD1E34491EAF}"/>
+              </a:ext>
+            </a:extLst>
+          </p:cNvPr>
+          <p:cNvPicPr>
+            <a:picLocks noChangeAspect="1"/>
+          </p:cNvPicPr>
+          <p:nvPr/>
+        </p:nvPicPr>
+        <p:blipFill>
+          <a:blip r:embed="rId2"/>
+          <a:stretch>
+            <a:fillRect/>
+          </a:stretch>
+        </p:blipFill>
+        <p:spPr>
+          <a:xfrm>
+            <a:off x="1219200" y="228233"/>
+            <a:ext cx="9753600" cy="1495425"/>
+          </a:xfrm>
+          <a:prstGeom prst="rect">
+            <a:avLst/>
+          </a:prstGeom>
+        </p:spPr>
+      </p:pic>
+      <p:pic>
+        <p:nvPicPr>
+          <p:cNvPr id="7" name="Imagen 6">
+            <a:extLst>
+              <a:ext uri="{FF2B5EF4-FFF2-40B4-BE49-F238E27FC236}">
+                <a16:creationId xmlns:a16="http://schemas.microsoft.com/office/drawing/2014/main" id="{78AAEEB3-EF32-412D-9EB7-0315BB540D42}"/>
+              </a:ext>
+            </a:extLst>
+          </p:cNvPr>
+          <p:cNvPicPr>
+            <a:picLocks noChangeAspect="1"/>
+          </p:cNvPicPr>
+          <p:nvPr/>
+        </p:nvPicPr>
+        <p:blipFill>
+          <a:blip r:embed="rId3"/>
+          <a:stretch>
+            <a:fillRect/>
+          </a:stretch>
+        </p:blipFill>
+        <p:spPr>
+          <a:xfrm>
+            <a:off x="2744298" y="1815244"/>
+            <a:ext cx="2905125" cy="4352925"/>
+          </a:xfrm>
+          <a:prstGeom prst="rect">
+            <a:avLst/>
+          </a:prstGeom>
+        </p:spPr>
+      </p:pic>
+      <p:pic>
+        <p:nvPicPr>
+          <p:cNvPr id="12" name="Imagen 11">
+            <a:extLst>
+              <a:ext uri="{FF2B5EF4-FFF2-40B4-BE49-F238E27FC236}">
+                <a16:creationId xmlns:a16="http://schemas.microsoft.com/office/drawing/2014/main" id="{1F566203-09C6-4F72-8F10-5ACBC26D96EB}"/>
+              </a:ext>
+            </a:extLst>
+          </p:cNvPr>
+          <p:cNvPicPr>
+            <a:picLocks noChangeAspect="1"/>
+          </p:cNvPicPr>
+          <p:nvPr/>
+        </p:nvPicPr>
+        <p:blipFill>
+          <a:blip r:embed="rId4"/>
+          <a:stretch>
+            <a:fillRect/>
+          </a:stretch>
+        </p:blipFill>
+        <p:spPr>
+          <a:xfrm>
+            <a:off x="7628427" y="2466474"/>
+            <a:ext cx="1819275" cy="723900"/>
+          </a:xfrm>
+          <a:prstGeom prst="rect">
+            <a:avLst/>
+          </a:prstGeom>
+        </p:spPr>
+      </p:pic>
+      <p:sp>
+        <p:nvSpPr>
+          <p:cNvPr id="13" name="CuadroTexto 12">
+            <a:extLst>
+              <a:ext uri="{FF2B5EF4-FFF2-40B4-BE49-F238E27FC236}">
+                <a16:creationId xmlns:a16="http://schemas.microsoft.com/office/drawing/2014/main" id="{F31C0EEC-EDCD-4198-9372-58B0F2426A08}"/>
+              </a:ext>
+            </a:extLst>
+          </p:cNvPr>
+          <p:cNvSpPr txBox="1"/>
+          <p:nvPr/>
+        </p:nvSpPr>
+        <p:spPr>
+          <a:xfrm>
+            <a:off x="7974624" y="3845266"/>
+            <a:ext cx="1257300" cy="646331"/>
+          </a:xfrm>
+          <a:prstGeom prst="rect">
+            <a:avLst/>
+          </a:prstGeom>
+          <a:noFill/>
+        </p:spPr>
+        <p:txBody>
+          <a:bodyPr wrap="square" rtlCol="0">
+            <a:spAutoFit/>
+          </a:bodyPr>
+          <a:lstStyle/>
+          <a:p>
+            <a:r>
+              <a:rPr lang="es-MX" dirty="0"/>
+              <a:t>P(X = 0) = ?</a:t>
+            </a:r>
+          </a:p>
+          <a:p>
+            <a:r>
+              <a:rPr lang="es-MX" dirty="0"/>
+              <a:t>P(X = 1) = ?</a:t>
+            </a:r>
+            <a:endParaRPr lang="es-CO" dirty="0"/>
+          </a:p>
+        </p:txBody>
+      </p:sp>
+    </p:spTree>
+    <p:extLst>
+      <p:ext uri="{BB962C8B-B14F-4D97-AF65-F5344CB8AC3E}">
+        <p14:creationId xmlns:p14="http://schemas.microsoft.com/office/powerpoint/2010/main" val="383511491"/>
+      </p:ext>
+    </p:extLst>
+  </p:cSld>
+  <p:clrMapOvr>
+    <a:masterClrMapping/>
+  </p:clrMapOvr>
+  <p:timing>
+    <p:tnLst>
+      <p:par>
+        <p:cTn id="1" dur="indefinite" restart="never" nodeType="tmRoot">
+          <p:childTnLst>
+            <p:seq concurrent="1" nextAc="seek">
+              <p:cTn id="2" dur="indefinite" nodeType="mainSeq">
+                <p:childTnLst>
+                  <p:par>
+                    <p:cTn id="3" fill="hold">
+                      <p:stCondLst>
+                        <p:cond delay="indefinite"/>
+                      </p:stCondLst>
+                      <p:childTnLst>
+                        <p:par>
+                          <p:cTn id="4" fill="hold">
+                            <p:stCondLst>
+                              <p:cond delay="0"/>
+                            </p:stCondLst>
+                            <p:childTnLst>
+                              <p:par>
+                                <p:cTn id="5" presetID="1" presetClass="entr" presetSubtype="0" fill="hold" nodeType="clickEffect">
+                                  <p:stCondLst>
+                                    <p:cond delay="0"/>
+                                  </p:stCondLst>
+                                  <p:childTnLst>
+                                    <p:set>
+                                      <p:cBhvr>
+                                        <p:cTn id="6" dur="1" fill="hold">
+                                          <p:stCondLst>
+                                            <p:cond delay="0"/>
+                                          </p:stCondLst>
+                                        </p:cTn>
+                                        <p:tgtEl>
+                                          <p:spTgt spid="7"/>
+                                        </p:tgtEl>
+                                        <p:attrNameLst>
+                                          <p:attrName>style.visibility</p:attrName>
+                                        </p:attrNameLst>
+                                      </p:cBhvr>
+                                      <p:to>
+                                        <p:strVal val="visible"/>
+                                      </p:to>
+                                    </p:set>
+                                  </p:childTnLst>
+                                </p:cTn>
+                              </p:par>
+                            </p:childTnLst>
+                          </p:cTn>
+                        </p:par>
+                      </p:childTnLst>
+                    </p:cTn>
+                  </p:par>
+                  <p:par>
+                    <p:cTn id="7" fill="hold">
+                      <p:stCondLst>
+                        <p:cond delay="indefinite"/>
+                      </p:stCondLst>
+                      <p:childTnLst>
+                        <p:par>
+                          <p:cTn id="8" fill="hold">
+                            <p:stCondLst>
+                              <p:cond delay="0"/>
+                            </p:stCondLst>
+                            <p:childTnLst>
+                              <p:par>
+                                <p:cTn id="9" presetID="1" presetClass="entr" presetSubtype="0" fill="hold" nodeType="clickEffect">
+                                  <p:stCondLst>
+                                    <p:cond delay="0"/>
+                                  </p:stCondLst>
+                                  <p:childTnLst>
+                                    <p:set>
+                                      <p:cBhvr>
+                                        <p:cTn id="10" dur="1" fill="hold">
+                                          <p:stCondLst>
+                                            <p:cond delay="0"/>
+                                          </p:stCondLst>
+                                        </p:cTn>
+                                        <p:tgtEl>
+                                          <p:spTgt spid="12"/>
+                                        </p:tgtEl>
+                                        <p:attrNameLst>
+                                          <p:attrName>style.visibility</p:attrName>
+                                        </p:attrNameLst>
+                                      </p:cBhvr>
+                                      <p:to>
+                                        <p:strVal val="visible"/>
+                                      </p:to>
+                                    </p:set>
+                                  </p:childTnLst>
+                                </p:cTn>
+                              </p:par>
+                            </p:childTnLst>
+                          </p:cTn>
+                        </p:par>
+                      </p:childTnLst>
+                    </p:cTn>
+                  </p:par>
+                  <p:par>
+                    <p:cTn id="11" fill="hold">
+                      <p:stCondLst>
+                        <p:cond delay="indefinite"/>
+                      </p:stCondLst>
+                      <p:childTnLst>
+                        <p:par>
+                          <p:cTn id="12" fill="hold">
+                            <p:stCondLst>
+                              <p:cond delay="0"/>
+                            </p:stCondLst>
+                            <p:childTnLst>
+                              <p:par>
+                                <p:cTn id="13" presetID="1" presetClass="entr" presetSubtype="0" fill="hold" grpId="0" nodeType="clickEffect">
+                                  <p:stCondLst>
+                                    <p:cond delay="0"/>
+                                  </p:stCondLst>
+                                  <p:childTnLst>
+                                    <p:set>
+                                      <p:cBhvr>
+                                        <p:cTn id="14" dur="1" fill="hold">
+                                          <p:stCondLst>
+                                            <p:cond delay="0"/>
+                                          </p:stCondLst>
+                                        </p:cTn>
+                                        <p:tgtEl>
+                                          <p:spTgt spid="13"/>
+                                        </p:tgtEl>
+                                        <p:attrNameLst>
+                                          <p:attrName>style.visibility</p:attrName>
+                                        </p:attrNameLst>
+                                      </p:cBhvr>
+                                      <p:to>
+                                        <p:strVal val="visible"/>
+                                      </p:to>
+                                    </p:set>
+                                  </p:childTnLst>
+                                </p:cTn>
+                              </p:par>
+                            </p:childTnLst>
+                          </p:cTn>
+                        </p:par>
+                      </p:childTnLst>
+                    </p:cTn>
+                  </p:par>
+                </p:childTnLst>
+              </p:cTn>
+              <p:prevCondLst>
+                <p:cond evt="onPrev" delay="0">
+                  <p:tgtEl>
+                    <p:sldTgt/>
+                  </p:tgtEl>
+                </p:cond>
+              </p:prevCondLst>
+              <p:nextCondLst>
+                <p:cond evt="onNext" delay="0">
+                  <p:tgtEl>
+                    <p:sldTgt/>
+                  </p:tgtEl>
+                </p:cond>
+              </p:nextCondLst>
+            </p:seq>
+          </p:childTnLst>
+        </p:cTn>
+      </p:par>
+    </p:tnLst>
+    <p:bldLst>
+      <p:bldP spid="13" grpId="0"/>
+    </p:bldLst>
+  </p:timing>
+</p:sld>
+</file>
+
 <file path=ppt/slides/slide2.xml><?xml version="1.0" encoding="utf-8"?>
 <p:sld xmlns:a="http://schemas.openxmlformats.org/drawingml/2006/main" xmlns:r="http://schemas.openxmlformats.org/officeDocument/2006/relationships" xmlns:p="http://schemas.openxmlformats.org/presentationml/2006/main">
   <p:cSld>
@@ -4136,6 +4537,1606 @@
   <p:clrMapOvr>
     <a:masterClrMapping/>
   </p:clrMapOvr>
+</p:sld>
+</file>
+
+<file path=ppt/slides/slide20.xml><?xml version="1.0" encoding="utf-8"?>
+<p:sld xmlns:a="http://schemas.openxmlformats.org/drawingml/2006/main" xmlns:r="http://schemas.openxmlformats.org/officeDocument/2006/relationships" xmlns:p="http://schemas.openxmlformats.org/presentationml/2006/main">
+  <p:cSld>
+    <p:spTree>
+      <p:nvGrpSpPr>
+        <p:cNvPr id="1" name=""/>
+        <p:cNvGrpSpPr/>
+        <p:nvPr/>
+      </p:nvGrpSpPr>
+      <p:grpSpPr>
+        <a:xfrm>
+          <a:off x="0" y="0"/>
+          <a:ext cx="0" cy="0"/>
+          <a:chOff x="0" y="0"/>
+          <a:chExt cx="0" cy="0"/>
+        </a:xfrm>
+      </p:grpSpPr>
+      <p:pic>
+        <p:nvPicPr>
+          <p:cNvPr id="3" name="Imagen 2">
+            <a:extLst>
+              <a:ext uri="{FF2B5EF4-FFF2-40B4-BE49-F238E27FC236}">
+                <a16:creationId xmlns:a16="http://schemas.microsoft.com/office/drawing/2014/main" id="{8963BDCA-8525-44FB-8C66-08A6FF9BD425}"/>
+              </a:ext>
+            </a:extLst>
+          </p:cNvPr>
+          <p:cNvPicPr>
+            <a:picLocks noChangeAspect="1"/>
+          </p:cNvPicPr>
+          <p:nvPr/>
+        </p:nvPicPr>
+        <p:blipFill>
+          <a:blip r:embed="rId2"/>
+          <a:stretch>
+            <a:fillRect/>
+          </a:stretch>
+        </p:blipFill>
+        <p:spPr>
+          <a:xfrm>
+            <a:off x="1181100" y="2333625"/>
+            <a:ext cx="9829800" cy="2190750"/>
+          </a:xfrm>
+          <a:prstGeom prst="rect">
+            <a:avLst/>
+          </a:prstGeom>
+        </p:spPr>
+      </p:pic>
+    </p:spTree>
+    <p:extLst>
+      <p:ext uri="{BB962C8B-B14F-4D97-AF65-F5344CB8AC3E}">
+        <p14:creationId xmlns:p14="http://schemas.microsoft.com/office/powerpoint/2010/main" val="3611695965"/>
+      </p:ext>
+    </p:extLst>
+  </p:cSld>
+  <p:clrMapOvr>
+    <a:masterClrMapping/>
+  </p:clrMapOvr>
+</p:sld>
+</file>
+
+<file path=ppt/slides/slide21.xml><?xml version="1.0" encoding="utf-8"?>
+<p:sld xmlns:a="http://schemas.openxmlformats.org/drawingml/2006/main" xmlns:r="http://schemas.openxmlformats.org/officeDocument/2006/relationships" xmlns:p="http://schemas.openxmlformats.org/presentationml/2006/main">
+  <p:cSld>
+    <p:spTree>
+      <p:nvGrpSpPr>
+        <p:cNvPr id="1" name=""/>
+        <p:cNvGrpSpPr/>
+        <p:nvPr/>
+      </p:nvGrpSpPr>
+      <p:grpSpPr>
+        <a:xfrm>
+          <a:off x="0" y="0"/>
+          <a:ext cx="0" cy="0"/>
+          <a:chOff x="0" y="0"/>
+          <a:chExt cx="0" cy="0"/>
+        </a:xfrm>
+      </p:grpSpPr>
+      <p:pic>
+        <p:nvPicPr>
+          <p:cNvPr id="3" name="Imagen 2">
+            <a:extLst>
+              <a:ext uri="{FF2B5EF4-FFF2-40B4-BE49-F238E27FC236}">
+                <a16:creationId xmlns:a16="http://schemas.microsoft.com/office/drawing/2014/main" id="{E50D9288-F541-4F93-B1B9-4251D0BC3869}"/>
+              </a:ext>
+            </a:extLst>
+          </p:cNvPr>
+          <p:cNvPicPr>
+            <a:picLocks noChangeAspect="1"/>
+          </p:cNvPicPr>
+          <p:nvPr/>
+        </p:nvPicPr>
+        <p:blipFill>
+          <a:blip r:embed="rId2"/>
+          <a:stretch>
+            <a:fillRect/>
+          </a:stretch>
+        </p:blipFill>
+        <p:spPr>
+          <a:xfrm>
+            <a:off x="1685559" y="119064"/>
+            <a:ext cx="8820882" cy="3512817"/>
+          </a:xfrm>
+          <a:prstGeom prst="rect">
+            <a:avLst/>
+          </a:prstGeom>
+        </p:spPr>
+      </p:pic>
+      <p:pic>
+        <p:nvPicPr>
+          <p:cNvPr id="5" name="Imagen 4">
+            <a:extLst>
+              <a:ext uri="{FF2B5EF4-FFF2-40B4-BE49-F238E27FC236}">
+                <a16:creationId xmlns:a16="http://schemas.microsoft.com/office/drawing/2014/main" id="{13C814C6-4225-4C22-AAFB-948E318AFEA1}"/>
+              </a:ext>
+            </a:extLst>
+          </p:cNvPr>
+          <p:cNvPicPr>
+            <a:picLocks noChangeAspect="1"/>
+          </p:cNvPicPr>
+          <p:nvPr/>
+        </p:nvPicPr>
+        <p:blipFill>
+          <a:blip r:embed="rId3"/>
+          <a:stretch>
+            <a:fillRect/>
+          </a:stretch>
+        </p:blipFill>
+        <p:spPr>
+          <a:xfrm>
+            <a:off x="2077720" y="3706325"/>
+            <a:ext cx="4730645" cy="3151675"/>
+          </a:xfrm>
+          <a:prstGeom prst="rect">
+            <a:avLst/>
+          </a:prstGeom>
+        </p:spPr>
+      </p:pic>
+      <p:pic>
+        <p:nvPicPr>
+          <p:cNvPr id="7" name="Imagen 6">
+            <a:extLst>
+              <a:ext uri="{FF2B5EF4-FFF2-40B4-BE49-F238E27FC236}">
+                <a16:creationId xmlns:a16="http://schemas.microsoft.com/office/drawing/2014/main" id="{DE8883FA-6EF2-468E-B83F-21B9C9391B9B}"/>
+              </a:ext>
+            </a:extLst>
+          </p:cNvPr>
+          <p:cNvPicPr>
+            <a:picLocks noChangeAspect="1"/>
+          </p:cNvPicPr>
+          <p:nvPr/>
+        </p:nvPicPr>
+        <p:blipFill>
+          <a:blip r:embed="rId4"/>
+          <a:stretch>
+            <a:fillRect/>
+          </a:stretch>
+        </p:blipFill>
+        <p:spPr>
+          <a:xfrm>
+            <a:off x="7159866" y="4861047"/>
+            <a:ext cx="2678723" cy="606898"/>
+          </a:xfrm>
+          <a:prstGeom prst="rect">
+            <a:avLst/>
+          </a:prstGeom>
+        </p:spPr>
+      </p:pic>
+    </p:spTree>
+    <p:extLst>
+      <p:ext uri="{BB962C8B-B14F-4D97-AF65-F5344CB8AC3E}">
+        <p14:creationId xmlns:p14="http://schemas.microsoft.com/office/powerpoint/2010/main" val="3899097013"/>
+      </p:ext>
+    </p:extLst>
+  </p:cSld>
+  <p:clrMapOvr>
+    <a:masterClrMapping/>
+  </p:clrMapOvr>
+  <p:timing>
+    <p:tnLst>
+      <p:par>
+        <p:cTn id="1" dur="indefinite" restart="never" nodeType="tmRoot">
+          <p:childTnLst>
+            <p:seq concurrent="1" nextAc="seek">
+              <p:cTn id="2" dur="indefinite" nodeType="mainSeq">
+                <p:childTnLst>
+                  <p:par>
+                    <p:cTn id="3" fill="hold">
+                      <p:stCondLst>
+                        <p:cond delay="indefinite"/>
+                      </p:stCondLst>
+                      <p:childTnLst>
+                        <p:par>
+                          <p:cTn id="4" fill="hold">
+                            <p:stCondLst>
+                              <p:cond delay="0"/>
+                            </p:stCondLst>
+                            <p:childTnLst>
+                              <p:par>
+                                <p:cTn id="5" presetID="1" presetClass="entr" presetSubtype="0" fill="hold" nodeType="clickEffect">
+                                  <p:stCondLst>
+                                    <p:cond delay="0"/>
+                                  </p:stCondLst>
+                                  <p:childTnLst>
+                                    <p:set>
+                                      <p:cBhvr>
+                                        <p:cTn id="6" dur="1" fill="hold">
+                                          <p:stCondLst>
+                                            <p:cond delay="0"/>
+                                          </p:stCondLst>
+                                        </p:cTn>
+                                        <p:tgtEl>
+                                          <p:spTgt spid="5"/>
+                                        </p:tgtEl>
+                                        <p:attrNameLst>
+                                          <p:attrName>style.visibility</p:attrName>
+                                        </p:attrNameLst>
+                                      </p:cBhvr>
+                                      <p:to>
+                                        <p:strVal val="visible"/>
+                                      </p:to>
+                                    </p:set>
+                                  </p:childTnLst>
+                                </p:cTn>
+                              </p:par>
+                            </p:childTnLst>
+                          </p:cTn>
+                        </p:par>
+                      </p:childTnLst>
+                    </p:cTn>
+                  </p:par>
+                  <p:par>
+                    <p:cTn id="7" fill="hold">
+                      <p:stCondLst>
+                        <p:cond delay="indefinite"/>
+                      </p:stCondLst>
+                      <p:childTnLst>
+                        <p:par>
+                          <p:cTn id="8" fill="hold">
+                            <p:stCondLst>
+                              <p:cond delay="0"/>
+                            </p:stCondLst>
+                            <p:childTnLst>
+                              <p:par>
+                                <p:cTn id="9" presetID="1" presetClass="entr" presetSubtype="0" fill="hold" nodeType="clickEffect">
+                                  <p:stCondLst>
+                                    <p:cond delay="0"/>
+                                  </p:stCondLst>
+                                  <p:childTnLst>
+                                    <p:set>
+                                      <p:cBhvr>
+                                        <p:cTn id="10" dur="1" fill="hold">
+                                          <p:stCondLst>
+                                            <p:cond delay="0"/>
+                                          </p:stCondLst>
+                                        </p:cTn>
+                                        <p:tgtEl>
+                                          <p:spTgt spid="7"/>
+                                        </p:tgtEl>
+                                        <p:attrNameLst>
+                                          <p:attrName>style.visibility</p:attrName>
+                                        </p:attrNameLst>
+                                      </p:cBhvr>
+                                      <p:to>
+                                        <p:strVal val="visible"/>
+                                      </p:to>
+                                    </p:set>
+                                  </p:childTnLst>
+                                </p:cTn>
+                              </p:par>
+                            </p:childTnLst>
+                          </p:cTn>
+                        </p:par>
+                      </p:childTnLst>
+                    </p:cTn>
+                  </p:par>
+                </p:childTnLst>
+              </p:cTn>
+              <p:prevCondLst>
+                <p:cond evt="onPrev" delay="0">
+                  <p:tgtEl>
+                    <p:sldTgt/>
+                  </p:tgtEl>
+                </p:cond>
+              </p:prevCondLst>
+              <p:nextCondLst>
+                <p:cond evt="onNext" delay="0">
+                  <p:tgtEl>
+                    <p:sldTgt/>
+                  </p:tgtEl>
+                </p:cond>
+              </p:nextCondLst>
+            </p:seq>
+          </p:childTnLst>
+        </p:cTn>
+      </p:par>
+    </p:tnLst>
+  </p:timing>
+</p:sld>
+</file>
+
+<file path=ppt/slides/slide22.xml><?xml version="1.0" encoding="utf-8"?>
+<p:sld xmlns:a="http://schemas.openxmlformats.org/drawingml/2006/main" xmlns:r="http://schemas.openxmlformats.org/officeDocument/2006/relationships" xmlns:p="http://schemas.openxmlformats.org/presentationml/2006/main">
+  <p:cSld>
+    <p:spTree>
+      <p:nvGrpSpPr>
+        <p:cNvPr id="1" name=""/>
+        <p:cNvGrpSpPr/>
+        <p:nvPr/>
+      </p:nvGrpSpPr>
+      <p:grpSpPr>
+        <a:xfrm>
+          <a:off x="0" y="0"/>
+          <a:ext cx="0" cy="0"/>
+          <a:chOff x="0" y="0"/>
+          <a:chExt cx="0" cy="0"/>
+        </a:xfrm>
+      </p:grpSpPr>
+      <p:pic>
+        <p:nvPicPr>
+          <p:cNvPr id="3" name="Imagen 2">
+            <a:extLst>
+              <a:ext uri="{FF2B5EF4-FFF2-40B4-BE49-F238E27FC236}">
+                <a16:creationId xmlns:a16="http://schemas.microsoft.com/office/drawing/2014/main" id="{F5709CA9-F85D-4D6D-B34F-C9D3D2D1B86F}"/>
+              </a:ext>
+            </a:extLst>
+          </p:cNvPr>
+          <p:cNvPicPr>
+            <a:picLocks noChangeAspect="1"/>
+          </p:cNvPicPr>
+          <p:nvPr/>
+        </p:nvPicPr>
+        <p:blipFill>
+          <a:blip r:embed="rId2"/>
+          <a:stretch>
+            <a:fillRect/>
+          </a:stretch>
+        </p:blipFill>
+        <p:spPr>
+          <a:xfrm>
+            <a:off x="228600" y="1276350"/>
+            <a:ext cx="5776546" cy="2152650"/>
+          </a:xfrm>
+          <a:prstGeom prst="rect">
+            <a:avLst/>
+          </a:prstGeom>
+        </p:spPr>
+      </p:pic>
+      <p:pic>
+        <p:nvPicPr>
+          <p:cNvPr id="5" name="Imagen 4">
+            <a:extLst>
+              <a:ext uri="{FF2B5EF4-FFF2-40B4-BE49-F238E27FC236}">
+                <a16:creationId xmlns:a16="http://schemas.microsoft.com/office/drawing/2014/main" id="{ED51A3BF-1963-4578-91DB-398E9B7DEB09}"/>
+              </a:ext>
+            </a:extLst>
+          </p:cNvPr>
+          <p:cNvPicPr>
+            <a:picLocks noChangeAspect="1"/>
+          </p:cNvPicPr>
+          <p:nvPr/>
+        </p:nvPicPr>
+        <p:blipFill>
+          <a:blip r:embed="rId3"/>
+          <a:stretch>
+            <a:fillRect/>
+          </a:stretch>
+        </p:blipFill>
+        <p:spPr>
+          <a:xfrm>
+            <a:off x="64078" y="3981816"/>
+            <a:ext cx="6105590" cy="1971675"/>
+          </a:xfrm>
+          <a:prstGeom prst="rect">
+            <a:avLst/>
+          </a:prstGeom>
+        </p:spPr>
+      </p:pic>
+      <p:pic>
+        <p:nvPicPr>
+          <p:cNvPr id="7" name="Imagen 6">
+            <a:extLst>
+              <a:ext uri="{FF2B5EF4-FFF2-40B4-BE49-F238E27FC236}">
+                <a16:creationId xmlns:a16="http://schemas.microsoft.com/office/drawing/2014/main" id="{172E1C32-1393-45C4-B699-2D5A8B59DA13}"/>
+              </a:ext>
+            </a:extLst>
+          </p:cNvPr>
+          <p:cNvPicPr>
+            <a:picLocks noChangeAspect="1"/>
+          </p:cNvPicPr>
+          <p:nvPr/>
+        </p:nvPicPr>
+        <p:blipFill>
+          <a:blip r:embed="rId4"/>
+          <a:stretch>
+            <a:fillRect/>
+          </a:stretch>
+        </p:blipFill>
+        <p:spPr>
+          <a:xfrm>
+            <a:off x="6096000" y="1241181"/>
+            <a:ext cx="6096000" cy="4953000"/>
+          </a:xfrm>
+          <a:prstGeom prst="rect">
+            <a:avLst/>
+          </a:prstGeom>
+        </p:spPr>
+      </p:pic>
+    </p:spTree>
+    <p:extLst>
+      <p:ext uri="{BB962C8B-B14F-4D97-AF65-F5344CB8AC3E}">
+        <p14:creationId xmlns:p14="http://schemas.microsoft.com/office/powerpoint/2010/main" val="258343346"/>
+      </p:ext>
+    </p:extLst>
+  </p:cSld>
+  <p:clrMapOvr>
+    <a:masterClrMapping/>
+  </p:clrMapOvr>
+  <p:timing>
+    <p:tnLst>
+      <p:par>
+        <p:cTn id="1" dur="indefinite" restart="never" nodeType="tmRoot">
+          <p:childTnLst>
+            <p:seq concurrent="1" nextAc="seek">
+              <p:cTn id="2" dur="indefinite" nodeType="mainSeq">
+                <p:childTnLst>
+                  <p:par>
+                    <p:cTn id="3" fill="hold">
+                      <p:stCondLst>
+                        <p:cond delay="indefinite"/>
+                      </p:stCondLst>
+                      <p:childTnLst>
+                        <p:par>
+                          <p:cTn id="4" fill="hold">
+                            <p:stCondLst>
+                              <p:cond delay="0"/>
+                            </p:stCondLst>
+                            <p:childTnLst>
+                              <p:par>
+                                <p:cTn id="5" presetID="1" presetClass="entr" presetSubtype="0" fill="hold" nodeType="clickEffect">
+                                  <p:stCondLst>
+                                    <p:cond delay="0"/>
+                                  </p:stCondLst>
+                                  <p:childTnLst>
+                                    <p:set>
+                                      <p:cBhvr>
+                                        <p:cTn id="6" dur="1" fill="hold">
+                                          <p:stCondLst>
+                                            <p:cond delay="0"/>
+                                          </p:stCondLst>
+                                        </p:cTn>
+                                        <p:tgtEl>
+                                          <p:spTgt spid="5"/>
+                                        </p:tgtEl>
+                                        <p:attrNameLst>
+                                          <p:attrName>style.visibility</p:attrName>
+                                        </p:attrNameLst>
+                                      </p:cBhvr>
+                                      <p:to>
+                                        <p:strVal val="visible"/>
+                                      </p:to>
+                                    </p:set>
+                                  </p:childTnLst>
+                                </p:cTn>
+                              </p:par>
+                            </p:childTnLst>
+                          </p:cTn>
+                        </p:par>
+                      </p:childTnLst>
+                    </p:cTn>
+                  </p:par>
+                  <p:par>
+                    <p:cTn id="7" fill="hold">
+                      <p:stCondLst>
+                        <p:cond delay="indefinite"/>
+                      </p:stCondLst>
+                      <p:childTnLst>
+                        <p:par>
+                          <p:cTn id="8" fill="hold">
+                            <p:stCondLst>
+                              <p:cond delay="0"/>
+                            </p:stCondLst>
+                            <p:childTnLst>
+                              <p:par>
+                                <p:cTn id="9" presetID="1" presetClass="entr" presetSubtype="0" fill="hold" nodeType="clickEffect">
+                                  <p:stCondLst>
+                                    <p:cond delay="0"/>
+                                  </p:stCondLst>
+                                  <p:childTnLst>
+                                    <p:set>
+                                      <p:cBhvr>
+                                        <p:cTn id="10" dur="1" fill="hold">
+                                          <p:stCondLst>
+                                            <p:cond delay="0"/>
+                                          </p:stCondLst>
+                                        </p:cTn>
+                                        <p:tgtEl>
+                                          <p:spTgt spid="7"/>
+                                        </p:tgtEl>
+                                        <p:attrNameLst>
+                                          <p:attrName>style.visibility</p:attrName>
+                                        </p:attrNameLst>
+                                      </p:cBhvr>
+                                      <p:to>
+                                        <p:strVal val="visible"/>
+                                      </p:to>
+                                    </p:set>
+                                  </p:childTnLst>
+                                </p:cTn>
+                              </p:par>
+                            </p:childTnLst>
+                          </p:cTn>
+                        </p:par>
+                      </p:childTnLst>
+                    </p:cTn>
+                  </p:par>
+                </p:childTnLst>
+              </p:cTn>
+              <p:prevCondLst>
+                <p:cond evt="onPrev" delay="0">
+                  <p:tgtEl>
+                    <p:sldTgt/>
+                  </p:tgtEl>
+                </p:cond>
+              </p:prevCondLst>
+              <p:nextCondLst>
+                <p:cond evt="onNext" delay="0">
+                  <p:tgtEl>
+                    <p:sldTgt/>
+                  </p:tgtEl>
+                </p:cond>
+              </p:nextCondLst>
+            </p:seq>
+          </p:childTnLst>
+        </p:cTn>
+      </p:par>
+    </p:tnLst>
+  </p:timing>
+</p:sld>
+</file>
+
+<file path=ppt/slides/slide23.xml><?xml version="1.0" encoding="utf-8"?>
+<p:sld xmlns:a="http://schemas.openxmlformats.org/drawingml/2006/main" xmlns:r="http://schemas.openxmlformats.org/officeDocument/2006/relationships" xmlns:p="http://schemas.openxmlformats.org/presentationml/2006/main">
+  <p:cSld>
+    <p:spTree>
+      <p:nvGrpSpPr>
+        <p:cNvPr id="1" name=""/>
+        <p:cNvGrpSpPr/>
+        <p:nvPr/>
+      </p:nvGrpSpPr>
+      <p:grpSpPr>
+        <a:xfrm>
+          <a:off x="0" y="0"/>
+          <a:ext cx="0" cy="0"/>
+          <a:chOff x="0" y="0"/>
+          <a:chExt cx="0" cy="0"/>
+        </a:xfrm>
+      </p:grpSpPr>
+      <p:pic>
+        <p:nvPicPr>
+          <p:cNvPr id="7" name="Imagen 6">
+            <a:extLst>
+              <a:ext uri="{FF2B5EF4-FFF2-40B4-BE49-F238E27FC236}">
+                <a16:creationId xmlns:a16="http://schemas.microsoft.com/office/drawing/2014/main" id="{95215B91-0B96-4D31-97E3-AE6DE201E7B1}"/>
+              </a:ext>
+            </a:extLst>
+          </p:cNvPr>
+          <p:cNvPicPr>
+            <a:picLocks noChangeAspect="1"/>
+          </p:cNvPicPr>
+          <p:nvPr/>
+        </p:nvPicPr>
+        <p:blipFill>
+          <a:blip r:embed="rId2"/>
+          <a:stretch>
+            <a:fillRect/>
+          </a:stretch>
+        </p:blipFill>
+        <p:spPr>
+          <a:xfrm>
+            <a:off x="1252537" y="1757362"/>
+            <a:ext cx="9686925" cy="3343275"/>
+          </a:xfrm>
+          <a:prstGeom prst="rect">
+            <a:avLst/>
+          </a:prstGeom>
+        </p:spPr>
+      </p:pic>
+      <p:sp>
+        <p:nvSpPr>
+          <p:cNvPr id="8" name="CuadroTexto 7">
+            <a:extLst>
+              <a:ext uri="{FF2B5EF4-FFF2-40B4-BE49-F238E27FC236}">
+                <a16:creationId xmlns:a16="http://schemas.microsoft.com/office/drawing/2014/main" id="{37E3C61B-444A-46FB-8EBA-0F4E377F5907}"/>
+              </a:ext>
+            </a:extLst>
+          </p:cNvPr>
+          <p:cNvSpPr txBox="1"/>
+          <p:nvPr/>
+        </p:nvSpPr>
+        <p:spPr>
+          <a:xfrm>
+            <a:off x="8669216" y="5750170"/>
+            <a:ext cx="3156438" cy="646331"/>
+          </a:xfrm>
+          <a:prstGeom prst="rect">
+            <a:avLst/>
+          </a:prstGeom>
+        </p:spPr>
+        <p:style>
+          <a:lnRef idx="2">
+            <a:schemeClr val="accent6">
+              <a:shade val="50000"/>
+            </a:schemeClr>
+          </a:lnRef>
+          <a:fillRef idx="1">
+            <a:schemeClr val="accent6"/>
+          </a:fillRef>
+          <a:effectRef idx="0">
+            <a:schemeClr val="accent6"/>
+          </a:effectRef>
+          <a:fontRef idx="minor">
+            <a:schemeClr val="lt1"/>
+          </a:fontRef>
+        </p:style>
+        <p:txBody>
+          <a:bodyPr wrap="square" rtlCol="0">
+            <a:spAutoFit/>
+          </a:bodyPr>
+          <a:lstStyle/>
+          <a:p>
+            <a:r>
+              <a:rPr lang="es-MX" dirty="0"/>
+              <a:t>Tarea: Revisar ejemplos de la sección 4.3 – George </a:t>
+            </a:r>
+            <a:r>
+              <a:rPr lang="es-MX" dirty="0" err="1"/>
+              <a:t>Canavos</a:t>
+            </a:r>
+            <a:endParaRPr lang="es-CO" dirty="0"/>
+          </a:p>
+        </p:txBody>
+      </p:sp>
+    </p:spTree>
+    <p:extLst>
+      <p:ext uri="{BB962C8B-B14F-4D97-AF65-F5344CB8AC3E}">
+        <p14:creationId xmlns:p14="http://schemas.microsoft.com/office/powerpoint/2010/main" val="13938532"/>
+      </p:ext>
+    </p:extLst>
+  </p:cSld>
+  <p:clrMapOvr>
+    <a:masterClrMapping/>
+  </p:clrMapOvr>
+  <p:timing>
+    <p:tnLst>
+      <p:par>
+        <p:cTn id="1" dur="indefinite" restart="never" nodeType="tmRoot">
+          <p:childTnLst>
+            <p:seq concurrent="1" nextAc="seek">
+              <p:cTn id="2" dur="indefinite" nodeType="mainSeq">
+                <p:childTnLst>
+                  <p:par>
+                    <p:cTn id="3" fill="hold">
+                      <p:stCondLst>
+                        <p:cond delay="indefinite"/>
+                      </p:stCondLst>
+                      <p:childTnLst>
+                        <p:par>
+                          <p:cTn id="4" fill="hold">
+                            <p:stCondLst>
+                              <p:cond delay="0"/>
+                            </p:stCondLst>
+                            <p:childTnLst>
+                              <p:par>
+                                <p:cTn id="5" presetID="1" presetClass="entr" presetSubtype="0" fill="hold" grpId="0" nodeType="clickEffect">
+                                  <p:stCondLst>
+                                    <p:cond delay="0"/>
+                                  </p:stCondLst>
+                                  <p:childTnLst>
+                                    <p:set>
+                                      <p:cBhvr>
+                                        <p:cTn id="6" dur="1" fill="hold">
+                                          <p:stCondLst>
+                                            <p:cond delay="0"/>
+                                          </p:stCondLst>
+                                        </p:cTn>
+                                        <p:tgtEl>
+                                          <p:spTgt spid="8"/>
+                                        </p:tgtEl>
+                                        <p:attrNameLst>
+                                          <p:attrName>style.visibility</p:attrName>
+                                        </p:attrNameLst>
+                                      </p:cBhvr>
+                                      <p:to>
+                                        <p:strVal val="visible"/>
+                                      </p:to>
+                                    </p:set>
+                                  </p:childTnLst>
+                                </p:cTn>
+                              </p:par>
+                            </p:childTnLst>
+                          </p:cTn>
+                        </p:par>
+                      </p:childTnLst>
+                    </p:cTn>
+                  </p:par>
+                </p:childTnLst>
+              </p:cTn>
+              <p:prevCondLst>
+                <p:cond evt="onPrev" delay="0">
+                  <p:tgtEl>
+                    <p:sldTgt/>
+                  </p:tgtEl>
+                </p:cond>
+              </p:prevCondLst>
+              <p:nextCondLst>
+                <p:cond evt="onNext" delay="0">
+                  <p:tgtEl>
+                    <p:sldTgt/>
+                  </p:tgtEl>
+                </p:cond>
+              </p:nextCondLst>
+            </p:seq>
+          </p:childTnLst>
+        </p:cTn>
+      </p:par>
+    </p:tnLst>
+    <p:bldLst>
+      <p:bldP spid="8" grpId="0" animBg="1"/>
+    </p:bldLst>
+  </p:timing>
+</p:sld>
+</file>
+
+<file path=ppt/slides/slide24.xml><?xml version="1.0" encoding="utf-8"?>
+<p:sld xmlns:a="http://schemas.openxmlformats.org/drawingml/2006/main" xmlns:r="http://schemas.openxmlformats.org/officeDocument/2006/relationships" xmlns:p="http://schemas.openxmlformats.org/presentationml/2006/main">
+  <p:cSld>
+    <p:spTree>
+      <p:nvGrpSpPr>
+        <p:cNvPr id="1" name=""/>
+        <p:cNvGrpSpPr/>
+        <p:nvPr/>
+      </p:nvGrpSpPr>
+      <p:grpSpPr>
+        <a:xfrm>
+          <a:off x="0" y="0"/>
+          <a:ext cx="0" cy="0"/>
+          <a:chOff x="0" y="0"/>
+          <a:chExt cx="0" cy="0"/>
+        </a:xfrm>
+      </p:grpSpPr>
+      <p:pic>
+        <p:nvPicPr>
+          <p:cNvPr id="3" name="Imagen 2">
+            <a:extLst>
+              <a:ext uri="{FF2B5EF4-FFF2-40B4-BE49-F238E27FC236}">
+                <a16:creationId xmlns:a16="http://schemas.microsoft.com/office/drawing/2014/main" id="{06522150-63BD-451A-A2C4-12B05285B2D4}"/>
+              </a:ext>
+            </a:extLst>
+          </p:cNvPr>
+          <p:cNvPicPr>
+            <a:picLocks noChangeAspect="1"/>
+          </p:cNvPicPr>
+          <p:nvPr/>
+        </p:nvPicPr>
+        <p:blipFill>
+          <a:blip r:embed="rId2"/>
+          <a:stretch>
+            <a:fillRect/>
+          </a:stretch>
+        </p:blipFill>
+        <p:spPr>
+          <a:xfrm>
+            <a:off x="2541861" y="408562"/>
+            <a:ext cx="6858946" cy="1679329"/>
+          </a:xfrm>
+          <a:prstGeom prst="rect">
+            <a:avLst/>
+          </a:prstGeom>
+        </p:spPr>
+      </p:pic>
+      <p:pic>
+        <p:nvPicPr>
+          <p:cNvPr id="5" name="Imagen 4">
+            <a:extLst>
+              <a:ext uri="{FF2B5EF4-FFF2-40B4-BE49-F238E27FC236}">
+                <a16:creationId xmlns:a16="http://schemas.microsoft.com/office/drawing/2014/main" id="{FD157417-76D2-4072-9C03-9C755916ACF0}"/>
+              </a:ext>
+            </a:extLst>
+          </p:cNvPr>
+          <p:cNvPicPr>
+            <a:picLocks noChangeAspect="1"/>
+          </p:cNvPicPr>
+          <p:nvPr/>
+        </p:nvPicPr>
+        <p:blipFill>
+          <a:blip r:embed="rId3"/>
+          <a:stretch>
+            <a:fillRect/>
+          </a:stretch>
+        </p:blipFill>
+        <p:spPr>
+          <a:xfrm>
+            <a:off x="2562590" y="2087891"/>
+            <a:ext cx="6838217" cy="4400833"/>
+          </a:xfrm>
+          <a:prstGeom prst="rect">
+            <a:avLst/>
+          </a:prstGeom>
+        </p:spPr>
+      </p:pic>
+    </p:spTree>
+    <p:extLst>
+      <p:ext uri="{BB962C8B-B14F-4D97-AF65-F5344CB8AC3E}">
+        <p14:creationId xmlns:p14="http://schemas.microsoft.com/office/powerpoint/2010/main" val="839794183"/>
+      </p:ext>
+    </p:extLst>
+  </p:cSld>
+  <p:clrMapOvr>
+    <a:masterClrMapping/>
+  </p:clrMapOvr>
+</p:sld>
+</file>
+
+<file path=ppt/slides/slide25.xml><?xml version="1.0" encoding="utf-8"?>
+<p:sld xmlns:a="http://schemas.openxmlformats.org/drawingml/2006/main" xmlns:r="http://schemas.openxmlformats.org/officeDocument/2006/relationships" xmlns:p="http://schemas.openxmlformats.org/presentationml/2006/main">
+  <p:cSld>
+    <p:spTree>
+      <p:nvGrpSpPr>
+        <p:cNvPr id="1" name=""/>
+        <p:cNvGrpSpPr/>
+        <p:nvPr/>
+      </p:nvGrpSpPr>
+      <p:grpSpPr>
+        <a:xfrm>
+          <a:off x="0" y="0"/>
+          <a:ext cx="0" cy="0"/>
+          <a:chOff x="0" y="0"/>
+          <a:chExt cx="0" cy="0"/>
+        </a:xfrm>
+      </p:grpSpPr>
+      <p:sp>
+        <p:nvSpPr>
+          <p:cNvPr id="2" name="CuadroTexto 1">
+            <a:extLst>
+              <a:ext uri="{FF2B5EF4-FFF2-40B4-BE49-F238E27FC236}">
+                <a16:creationId xmlns:a16="http://schemas.microsoft.com/office/drawing/2014/main" id="{3C8A20BC-7158-4DF0-A95C-8301ABE4B6C5}"/>
+              </a:ext>
+            </a:extLst>
+          </p:cNvPr>
+          <p:cNvSpPr txBox="1"/>
+          <p:nvPr/>
+        </p:nvSpPr>
+        <p:spPr>
+          <a:xfrm>
+            <a:off x="8317522" y="5363307"/>
+            <a:ext cx="2769577" cy="369332"/>
+          </a:xfrm>
+          <a:prstGeom prst="rect">
+            <a:avLst/>
+          </a:prstGeom>
+          <a:noFill/>
+        </p:spPr>
+        <p:txBody>
+          <a:bodyPr wrap="square" rtlCol="0">
+            <a:spAutoFit/>
+          </a:bodyPr>
+          <a:lstStyle/>
+          <a:p>
+            <a:r>
+              <a:rPr lang="es-MX" dirty="0"/>
+              <a:t>Notación “Universal”</a:t>
+            </a:r>
+            <a:endParaRPr lang="es-CO" dirty="0"/>
+          </a:p>
+        </p:txBody>
+      </p:sp>
+      <mc:AlternateContent xmlns:mc="http://schemas.openxmlformats.org/markup-compatibility/2006">
+        <mc:Choice xmlns:a14="http://schemas.microsoft.com/office/drawing/2010/main" Requires="a14">
+          <p:sp>
+            <p:nvSpPr>
+              <p:cNvPr id="3" name="CuadroTexto 2">
+                <a:extLst>
+                  <a:ext uri="{FF2B5EF4-FFF2-40B4-BE49-F238E27FC236}">
+                    <a16:creationId xmlns:a16="http://schemas.microsoft.com/office/drawing/2014/main" id="{25EE10CD-63C3-4D9D-9467-A623E724D997}"/>
+                  </a:ext>
+                </a:extLst>
+              </p:cNvPr>
+              <p:cNvSpPr txBox="1"/>
+              <p:nvPr/>
+            </p:nvSpPr>
+            <p:spPr>
+              <a:xfrm>
+                <a:off x="8414238" y="5732639"/>
+                <a:ext cx="3412409" cy="830997"/>
+              </a:xfrm>
+              <a:prstGeom prst="rect">
+                <a:avLst/>
+              </a:prstGeom>
+              <a:noFill/>
+            </p:spPr>
+            <p:txBody>
+              <a:bodyPr wrap="none" lIns="0" tIns="0" rIns="0" bIns="0" rtlCol="0">
+                <a:spAutoFit/>
+              </a:bodyPr>
+              <a:lstStyle/>
+              <a:p>
+                <a14:m>
+                  <m:oMath xmlns:m="http://schemas.openxmlformats.org/officeDocument/2006/math">
+                    <m:r>
+                      <a:rPr lang="es-CO" i="1" smtClean="0">
+                        <a:latin typeface="Cambria Math" panose="02040503050406030204" pitchFamily="18" charset="0"/>
+                        <a:ea typeface="Cambria Math" panose="02040503050406030204" pitchFamily="18" charset="0"/>
+                      </a:rPr>
+                      <m:t>𝜇</m:t>
+                    </m:r>
+                    <m:r>
+                      <a:rPr lang="es-CO" i="1" smtClean="0">
+                        <a:latin typeface="Cambria Math" panose="02040503050406030204" pitchFamily="18" charset="0"/>
+                        <a:ea typeface="Cambria Math" panose="02040503050406030204" pitchFamily="18" charset="0"/>
+                      </a:rPr>
+                      <m:t>→ </m:t>
+                    </m:r>
+                  </m:oMath>
+                </a14:m>
+                <a:r>
+                  <a:rPr lang="es-CO" dirty="0"/>
+                  <a:t>Promedio / media</a:t>
+                </a:r>
+              </a:p>
+              <a:p>
+                <a14:m>
+                  <m:oMath xmlns:m="http://schemas.openxmlformats.org/officeDocument/2006/math">
+                    <m:sSup>
+                      <m:sSupPr>
+                        <m:ctrlPr>
+                          <a:rPr lang="es-MX" b="0" i="1" smtClean="0">
+                            <a:latin typeface="Cambria Math" panose="02040503050406030204" pitchFamily="18" charset="0"/>
+                            <a:ea typeface="Cambria Math" panose="02040503050406030204" pitchFamily="18" charset="0"/>
+                          </a:rPr>
+                        </m:ctrlPr>
+                      </m:sSupPr>
+                      <m:e>
+                        <m:r>
+                          <a:rPr lang="es-CO" i="1" smtClean="0">
+                            <a:latin typeface="Cambria Math" panose="02040503050406030204" pitchFamily="18" charset="0"/>
+                            <a:ea typeface="Cambria Math" panose="02040503050406030204" pitchFamily="18" charset="0"/>
+                          </a:rPr>
+                          <m:t>𝜎</m:t>
+                        </m:r>
+                      </m:e>
+                      <m:sup>
+                        <m:r>
+                          <a:rPr lang="es-MX" b="0" i="1" smtClean="0">
+                            <a:latin typeface="Cambria Math" panose="02040503050406030204" pitchFamily="18" charset="0"/>
+                            <a:ea typeface="Cambria Math" panose="02040503050406030204" pitchFamily="18" charset="0"/>
+                          </a:rPr>
+                          <m:t>2</m:t>
+                        </m:r>
+                      </m:sup>
+                    </m:sSup>
+                    <m:r>
+                      <a:rPr lang="es-MX" b="0" i="1" smtClean="0">
+                        <a:latin typeface="Cambria Math" panose="02040503050406030204" pitchFamily="18" charset="0"/>
+                        <a:ea typeface="Cambria Math" panose="02040503050406030204" pitchFamily="18" charset="0"/>
+                      </a:rPr>
+                      <m:t>=</m:t>
+                    </m:r>
+                    <m:r>
+                      <a:rPr lang="es-MX" b="0" i="1" smtClean="0">
+                        <a:latin typeface="Cambria Math" panose="02040503050406030204" pitchFamily="18" charset="0"/>
+                        <a:ea typeface="Cambria Math" panose="02040503050406030204" pitchFamily="18" charset="0"/>
+                      </a:rPr>
+                      <m:t>𝑉𝑎𝑟</m:t>
+                    </m:r>
+                    <m:r>
+                      <a:rPr lang="es-MX" b="0" i="1" smtClean="0">
+                        <a:latin typeface="Cambria Math" panose="02040503050406030204" pitchFamily="18" charset="0"/>
+                        <a:ea typeface="Cambria Math" panose="02040503050406030204" pitchFamily="18" charset="0"/>
+                      </a:rPr>
+                      <m:t>(</m:t>
+                    </m:r>
+                    <m:r>
+                      <a:rPr lang="es-MX" b="0" i="1" smtClean="0">
+                        <a:latin typeface="Cambria Math" panose="02040503050406030204" pitchFamily="18" charset="0"/>
+                        <a:ea typeface="Cambria Math" panose="02040503050406030204" pitchFamily="18" charset="0"/>
+                      </a:rPr>
+                      <m:t>𝑋</m:t>
+                    </m:r>
+                    <m:r>
+                      <a:rPr lang="es-MX" b="0" i="1" smtClean="0">
+                        <a:latin typeface="Cambria Math" panose="02040503050406030204" pitchFamily="18" charset="0"/>
+                        <a:ea typeface="Cambria Math" panose="02040503050406030204" pitchFamily="18" charset="0"/>
+                      </a:rPr>
+                      <m:t>)→</m:t>
+                    </m:r>
+                  </m:oMath>
+                </a14:m>
+                <a:r>
+                  <a:rPr lang="es-CO" dirty="0"/>
+                  <a:t> Varianza</a:t>
+                </a:r>
+              </a:p>
+              <a:p>
+                <a14:m>
+                  <m:oMath xmlns:m="http://schemas.openxmlformats.org/officeDocument/2006/math">
+                    <m:r>
+                      <a:rPr lang="es-CO" i="1" smtClean="0">
+                        <a:latin typeface="Cambria Math" panose="02040503050406030204" pitchFamily="18" charset="0"/>
+                        <a:ea typeface="Cambria Math" panose="02040503050406030204" pitchFamily="18" charset="0"/>
+                      </a:rPr>
+                      <m:t>𝜎</m:t>
+                    </m:r>
+                    <m:r>
+                      <a:rPr lang="es-MX" b="0" i="1" smtClean="0">
+                        <a:latin typeface="Cambria Math" panose="02040503050406030204" pitchFamily="18" charset="0"/>
+                        <a:ea typeface="Cambria Math" panose="02040503050406030204" pitchFamily="18" charset="0"/>
+                      </a:rPr>
+                      <m:t>=</m:t>
+                    </m:r>
+                    <m:r>
+                      <a:rPr lang="es-MX" b="0" i="1" smtClean="0">
+                        <a:latin typeface="Cambria Math" panose="02040503050406030204" pitchFamily="18" charset="0"/>
+                        <a:ea typeface="Cambria Math" panose="02040503050406030204" pitchFamily="18" charset="0"/>
+                      </a:rPr>
+                      <m:t>𝑑</m:t>
+                    </m:r>
+                    <m:r>
+                      <a:rPr lang="es-MX" b="0" i="1" smtClean="0">
+                        <a:latin typeface="Cambria Math" panose="02040503050406030204" pitchFamily="18" charset="0"/>
+                        <a:ea typeface="Cambria Math" panose="02040503050406030204" pitchFamily="18" charset="0"/>
+                      </a:rPr>
+                      <m:t>.</m:t>
+                    </m:r>
+                    <m:r>
+                      <a:rPr lang="es-MX" b="0" i="1" smtClean="0">
+                        <a:latin typeface="Cambria Math" panose="02040503050406030204" pitchFamily="18" charset="0"/>
+                        <a:ea typeface="Cambria Math" panose="02040503050406030204" pitchFamily="18" charset="0"/>
+                      </a:rPr>
+                      <m:t>𝑒</m:t>
+                    </m:r>
+                    <m:r>
+                      <a:rPr lang="es-MX" b="0" i="1" smtClean="0">
+                        <a:latin typeface="Cambria Math" panose="02040503050406030204" pitchFamily="18" charset="0"/>
+                        <a:ea typeface="Cambria Math" panose="02040503050406030204" pitchFamily="18" charset="0"/>
+                      </a:rPr>
+                      <m:t>.</m:t>
+                    </m:r>
+                    <m:d>
+                      <m:dPr>
+                        <m:ctrlPr>
+                          <a:rPr lang="es-MX" b="0" i="1" smtClean="0">
+                            <a:latin typeface="Cambria Math" panose="02040503050406030204" pitchFamily="18" charset="0"/>
+                            <a:ea typeface="Cambria Math" panose="02040503050406030204" pitchFamily="18" charset="0"/>
+                          </a:rPr>
+                        </m:ctrlPr>
+                      </m:dPr>
+                      <m:e>
+                        <m:r>
+                          <a:rPr lang="es-MX" b="0" i="1" smtClean="0">
+                            <a:latin typeface="Cambria Math" panose="02040503050406030204" pitchFamily="18" charset="0"/>
+                            <a:ea typeface="Cambria Math" panose="02040503050406030204" pitchFamily="18" charset="0"/>
+                          </a:rPr>
+                          <m:t>𝑋</m:t>
+                        </m:r>
+                      </m:e>
+                    </m:d>
+                    <m:r>
+                      <a:rPr lang="es-MX" b="0" i="1" smtClean="0">
+                        <a:latin typeface="Cambria Math" panose="02040503050406030204" pitchFamily="18" charset="0"/>
+                        <a:ea typeface="Cambria Math" panose="02040503050406030204" pitchFamily="18" charset="0"/>
+                      </a:rPr>
+                      <m:t>→</m:t>
+                    </m:r>
+                  </m:oMath>
+                </a14:m>
+                <a:r>
+                  <a:rPr lang="es-CO" dirty="0"/>
+                  <a:t> Desviación estándar</a:t>
+                </a:r>
+              </a:p>
+            </p:txBody>
+          </p:sp>
+        </mc:Choice>
+        <mc:Fallback>
+          <p:sp>
+            <p:nvSpPr>
+              <p:cNvPr id="3" name="CuadroTexto 2">
+                <a:extLst>
+                  <a:ext uri="{FF2B5EF4-FFF2-40B4-BE49-F238E27FC236}">
+                    <a16:creationId xmlns:a16="http://schemas.microsoft.com/office/drawing/2014/main" id="{25EE10CD-63C3-4D9D-9467-A623E724D997}"/>
+                  </a:ext>
+                </a:extLst>
+              </p:cNvPr>
+              <p:cNvSpPr txBox="1">
+                <a:spLocks noRot="1" noChangeAspect="1" noMove="1" noResize="1" noEditPoints="1" noAdjustHandles="1" noChangeArrowheads="1" noChangeShapeType="1" noTextEdit="1"/>
+              </p:cNvSpPr>
+              <p:nvPr/>
+            </p:nvSpPr>
+            <p:spPr>
+              <a:xfrm>
+                <a:off x="8414238" y="5732639"/>
+                <a:ext cx="3412409" cy="830997"/>
+              </a:xfrm>
+              <a:prstGeom prst="rect">
+                <a:avLst/>
+              </a:prstGeom>
+              <a:blipFill>
+                <a:blip r:embed="rId2"/>
+                <a:stretch>
+                  <a:fillRect l="-2321" t="-9489" r="-3750" b="-16058"/>
+                </a:stretch>
+              </a:blipFill>
+            </p:spPr>
+            <p:txBody>
+              <a:bodyPr/>
+              <a:lstStyle/>
+              <a:p>
+                <a:r>
+                  <a:rPr lang="es-CO">
+                    <a:noFill/>
+                  </a:rPr>
+                  <a:t> </a:t>
+                </a:r>
+              </a:p>
+            </p:txBody>
+          </p:sp>
+        </mc:Fallback>
+      </mc:AlternateContent>
+      <p:sp>
+        <p:nvSpPr>
+          <p:cNvPr id="4" name="Rectángulo: esquinas redondeadas 3">
+            <a:extLst>
+              <a:ext uri="{FF2B5EF4-FFF2-40B4-BE49-F238E27FC236}">
+                <a16:creationId xmlns:a16="http://schemas.microsoft.com/office/drawing/2014/main" id="{B324A02F-4A3A-47EC-B238-ACB029244AC7}"/>
+              </a:ext>
+            </a:extLst>
+          </p:cNvPr>
+          <p:cNvSpPr/>
+          <p:nvPr/>
+        </p:nvSpPr>
+        <p:spPr>
+          <a:xfrm>
+            <a:off x="8317522" y="5345723"/>
+            <a:ext cx="3613639" cy="1327639"/>
+          </a:xfrm>
+          <a:prstGeom prst="roundRect">
+            <a:avLst/>
+          </a:prstGeom>
+          <a:noFill/>
+          <a:ln>
+            <a:solidFill>
+              <a:schemeClr val="accent1"/>
+            </a:solidFill>
+          </a:ln>
+        </p:spPr>
+        <p:style>
+          <a:lnRef idx="2">
+            <a:schemeClr val="accent6">
+              <a:shade val="50000"/>
+            </a:schemeClr>
+          </a:lnRef>
+          <a:fillRef idx="1">
+            <a:schemeClr val="accent6"/>
+          </a:fillRef>
+          <a:effectRef idx="0">
+            <a:schemeClr val="accent6"/>
+          </a:effectRef>
+          <a:fontRef idx="minor">
+            <a:schemeClr val="lt1"/>
+          </a:fontRef>
+        </p:style>
+        <p:txBody>
+          <a:bodyPr rtlCol="0" anchor="ctr"/>
+          <a:lstStyle/>
+          <a:p>
+            <a:pPr algn="ctr"/>
+            <a:endParaRPr lang="es-CO"/>
+          </a:p>
+        </p:txBody>
+      </p:sp>
+      <p:pic>
+        <p:nvPicPr>
+          <p:cNvPr id="6" name="Imagen 5">
+            <a:extLst>
+              <a:ext uri="{FF2B5EF4-FFF2-40B4-BE49-F238E27FC236}">
+                <a16:creationId xmlns:a16="http://schemas.microsoft.com/office/drawing/2014/main" id="{C2607097-B902-4A16-BA76-2B6EE417206E}"/>
+              </a:ext>
+            </a:extLst>
+          </p:cNvPr>
+          <p:cNvPicPr>
+            <a:picLocks noChangeAspect="1"/>
+          </p:cNvPicPr>
+          <p:nvPr/>
+        </p:nvPicPr>
+        <p:blipFill>
+          <a:blip r:embed="rId3"/>
+          <a:stretch>
+            <a:fillRect/>
+          </a:stretch>
+        </p:blipFill>
+        <p:spPr>
+          <a:xfrm>
+            <a:off x="1219200" y="2340220"/>
+            <a:ext cx="9753600" cy="1352550"/>
+          </a:xfrm>
+          <a:prstGeom prst="rect">
+            <a:avLst/>
+          </a:prstGeom>
+        </p:spPr>
+      </p:pic>
+    </p:spTree>
+    <p:extLst>
+      <p:ext uri="{BB962C8B-B14F-4D97-AF65-F5344CB8AC3E}">
+        <p14:creationId xmlns:p14="http://schemas.microsoft.com/office/powerpoint/2010/main" val="4088957718"/>
+      </p:ext>
+    </p:extLst>
+  </p:cSld>
+  <p:clrMapOvr>
+    <a:masterClrMapping/>
+  </p:clrMapOvr>
+</p:sld>
+</file>
+
+<file path=ppt/slides/slide26.xml><?xml version="1.0" encoding="utf-8"?>
+<p:sld xmlns:a="http://schemas.openxmlformats.org/drawingml/2006/main" xmlns:r="http://schemas.openxmlformats.org/officeDocument/2006/relationships" xmlns:p="http://schemas.openxmlformats.org/presentationml/2006/main">
+  <p:cSld>
+    <p:spTree>
+      <p:nvGrpSpPr>
+        <p:cNvPr id="1" name=""/>
+        <p:cNvGrpSpPr/>
+        <p:nvPr/>
+      </p:nvGrpSpPr>
+      <p:grpSpPr>
+        <a:xfrm>
+          <a:off x="0" y="0"/>
+          <a:ext cx="0" cy="0"/>
+          <a:chOff x="0" y="0"/>
+          <a:chExt cx="0" cy="0"/>
+        </a:xfrm>
+      </p:grpSpPr>
+      <p:pic>
+        <p:nvPicPr>
+          <p:cNvPr id="2" name="Imagen 1">
+            <a:extLst>
+              <a:ext uri="{FF2B5EF4-FFF2-40B4-BE49-F238E27FC236}">
+                <a16:creationId xmlns:a16="http://schemas.microsoft.com/office/drawing/2014/main" id="{EC50E555-E3C5-4180-B683-367C066C639F}"/>
+              </a:ext>
+            </a:extLst>
+          </p:cNvPr>
+          <p:cNvPicPr>
+            <a:picLocks noChangeAspect="1"/>
+          </p:cNvPicPr>
+          <p:nvPr/>
+        </p:nvPicPr>
+        <p:blipFill>
+          <a:blip r:embed="rId2"/>
+          <a:stretch>
+            <a:fillRect/>
+          </a:stretch>
+        </p:blipFill>
+        <p:spPr>
+          <a:xfrm>
+            <a:off x="1266825" y="195262"/>
+            <a:ext cx="9658350" cy="6467475"/>
+          </a:xfrm>
+          <a:prstGeom prst="rect">
+            <a:avLst/>
+          </a:prstGeom>
+        </p:spPr>
+      </p:pic>
+    </p:spTree>
+    <p:extLst>
+      <p:ext uri="{BB962C8B-B14F-4D97-AF65-F5344CB8AC3E}">
+        <p14:creationId xmlns:p14="http://schemas.microsoft.com/office/powerpoint/2010/main" val="3813049565"/>
+      </p:ext>
+    </p:extLst>
+  </p:cSld>
+  <p:clrMapOvr>
+    <a:masterClrMapping/>
+  </p:clrMapOvr>
+</p:sld>
+</file>
+
+<file path=ppt/slides/slide27.xml><?xml version="1.0" encoding="utf-8"?>
+<p:sld xmlns:a="http://schemas.openxmlformats.org/drawingml/2006/main" xmlns:r="http://schemas.openxmlformats.org/officeDocument/2006/relationships" xmlns:p="http://schemas.openxmlformats.org/presentationml/2006/main">
+  <p:cSld>
+    <p:spTree>
+      <p:nvGrpSpPr>
+        <p:cNvPr id="1" name=""/>
+        <p:cNvGrpSpPr/>
+        <p:nvPr/>
+      </p:nvGrpSpPr>
+      <p:grpSpPr>
+        <a:xfrm>
+          <a:off x="0" y="0"/>
+          <a:ext cx="0" cy="0"/>
+          <a:chOff x="0" y="0"/>
+          <a:chExt cx="0" cy="0"/>
+        </a:xfrm>
+      </p:grpSpPr>
+      <p:pic>
+        <p:nvPicPr>
+          <p:cNvPr id="3" name="Imagen 2">
+            <a:extLst>
+              <a:ext uri="{FF2B5EF4-FFF2-40B4-BE49-F238E27FC236}">
+                <a16:creationId xmlns:a16="http://schemas.microsoft.com/office/drawing/2014/main" id="{B1945EBE-5561-4555-8450-94BE09D391C7}"/>
+              </a:ext>
+            </a:extLst>
+          </p:cNvPr>
+          <p:cNvPicPr>
+            <a:picLocks noChangeAspect="1"/>
+          </p:cNvPicPr>
+          <p:nvPr/>
+        </p:nvPicPr>
+        <p:blipFill>
+          <a:blip r:embed="rId2"/>
+          <a:stretch>
+            <a:fillRect/>
+          </a:stretch>
+        </p:blipFill>
+        <p:spPr>
+          <a:xfrm>
+            <a:off x="1318726" y="0"/>
+            <a:ext cx="9554547" cy="6858000"/>
+          </a:xfrm>
+          <a:prstGeom prst="rect">
+            <a:avLst/>
+          </a:prstGeom>
+        </p:spPr>
+      </p:pic>
+    </p:spTree>
+    <p:extLst>
+      <p:ext uri="{BB962C8B-B14F-4D97-AF65-F5344CB8AC3E}">
+        <p14:creationId xmlns:p14="http://schemas.microsoft.com/office/powerpoint/2010/main" val="1308988113"/>
+      </p:ext>
+    </p:extLst>
+  </p:cSld>
+  <p:clrMapOvr>
+    <a:masterClrMapping/>
+  </p:clrMapOvr>
+</p:sld>
+</file>
+
+<file path=ppt/slides/slide28.xml><?xml version="1.0" encoding="utf-8"?>
+<p:sld xmlns:a="http://schemas.openxmlformats.org/drawingml/2006/main" xmlns:r="http://schemas.openxmlformats.org/officeDocument/2006/relationships" xmlns:p="http://schemas.openxmlformats.org/presentationml/2006/main">
+  <p:cSld>
+    <p:spTree>
+      <p:nvGrpSpPr>
+        <p:cNvPr id="1" name=""/>
+        <p:cNvGrpSpPr/>
+        <p:nvPr/>
+      </p:nvGrpSpPr>
+      <p:grpSpPr>
+        <a:xfrm>
+          <a:off x="0" y="0"/>
+          <a:ext cx="0" cy="0"/>
+          <a:chOff x="0" y="0"/>
+          <a:chExt cx="0" cy="0"/>
+        </a:xfrm>
+      </p:grpSpPr>
+      <p:pic>
+        <p:nvPicPr>
+          <p:cNvPr id="3" name="Imagen 2">
+            <a:extLst>
+              <a:ext uri="{FF2B5EF4-FFF2-40B4-BE49-F238E27FC236}">
+                <a16:creationId xmlns:a16="http://schemas.microsoft.com/office/drawing/2014/main" id="{6AA3C9FD-AFD8-4344-B254-97E1CD046328}"/>
+              </a:ext>
+            </a:extLst>
+          </p:cNvPr>
+          <p:cNvPicPr>
+            <a:picLocks noChangeAspect="1"/>
+          </p:cNvPicPr>
+          <p:nvPr/>
+        </p:nvPicPr>
+        <p:blipFill>
+          <a:blip r:embed="rId2"/>
+          <a:stretch>
+            <a:fillRect/>
+          </a:stretch>
+        </p:blipFill>
+        <p:spPr>
+          <a:xfrm>
+            <a:off x="1257300" y="1042987"/>
+            <a:ext cx="9677400" cy="4772025"/>
+          </a:xfrm>
+          <a:prstGeom prst="rect">
+            <a:avLst/>
+          </a:prstGeom>
+        </p:spPr>
+      </p:pic>
+    </p:spTree>
+    <p:extLst>
+      <p:ext uri="{BB962C8B-B14F-4D97-AF65-F5344CB8AC3E}">
+        <p14:creationId xmlns:p14="http://schemas.microsoft.com/office/powerpoint/2010/main" val="3068548652"/>
+      </p:ext>
+    </p:extLst>
+  </p:cSld>
+  <p:clrMapOvr>
+    <a:masterClrMapping/>
+  </p:clrMapOvr>
+</p:sld>
+</file>
+
+<file path=ppt/slides/slide29.xml><?xml version="1.0" encoding="utf-8"?>
+<p:sld xmlns:a="http://schemas.openxmlformats.org/drawingml/2006/main" xmlns:r="http://schemas.openxmlformats.org/officeDocument/2006/relationships" xmlns:p="http://schemas.openxmlformats.org/presentationml/2006/main">
+  <p:cSld>
+    <p:spTree>
+      <p:nvGrpSpPr>
+        <p:cNvPr id="1" name=""/>
+        <p:cNvGrpSpPr/>
+        <p:nvPr/>
+      </p:nvGrpSpPr>
+      <p:grpSpPr>
+        <a:xfrm>
+          <a:off x="0" y="0"/>
+          <a:ext cx="0" cy="0"/>
+          <a:chOff x="0" y="0"/>
+          <a:chExt cx="0" cy="0"/>
+        </a:xfrm>
+      </p:grpSpPr>
+      <p:pic>
+        <p:nvPicPr>
+          <p:cNvPr id="3" name="Imagen 2">
+            <a:extLst>
+              <a:ext uri="{FF2B5EF4-FFF2-40B4-BE49-F238E27FC236}">
+                <a16:creationId xmlns:a16="http://schemas.microsoft.com/office/drawing/2014/main" id="{85652415-33A1-4D80-87DA-EFF16CE6554B}"/>
+              </a:ext>
+            </a:extLst>
+          </p:cNvPr>
+          <p:cNvPicPr>
+            <a:picLocks noChangeAspect="1"/>
+          </p:cNvPicPr>
+          <p:nvPr/>
+        </p:nvPicPr>
+        <p:blipFill>
+          <a:blip r:embed="rId2"/>
+          <a:stretch>
+            <a:fillRect/>
+          </a:stretch>
+        </p:blipFill>
+        <p:spPr>
+          <a:xfrm>
+            <a:off x="1257300" y="1788868"/>
+            <a:ext cx="9677400" cy="2066925"/>
+          </a:xfrm>
+          <a:prstGeom prst="rect">
+            <a:avLst/>
+          </a:prstGeom>
+        </p:spPr>
+      </p:pic>
+      <p:sp>
+        <p:nvSpPr>
+          <p:cNvPr id="4" name="CuadroTexto 3">
+            <a:extLst>
+              <a:ext uri="{FF2B5EF4-FFF2-40B4-BE49-F238E27FC236}">
+                <a16:creationId xmlns:a16="http://schemas.microsoft.com/office/drawing/2014/main" id="{888B4BAB-701C-4CC4-8CAD-3193CF8E2365}"/>
+              </a:ext>
+            </a:extLst>
+          </p:cNvPr>
+          <p:cNvSpPr txBox="1"/>
+          <p:nvPr/>
+        </p:nvSpPr>
+        <p:spPr>
+          <a:xfrm>
+            <a:off x="7033846" y="4985238"/>
+            <a:ext cx="4360985" cy="923330"/>
+          </a:xfrm>
+          <a:prstGeom prst="rect">
+            <a:avLst/>
+          </a:prstGeom>
+        </p:spPr>
+        <p:style>
+          <a:lnRef idx="2">
+            <a:schemeClr val="accent6">
+              <a:shade val="50000"/>
+            </a:schemeClr>
+          </a:lnRef>
+          <a:fillRef idx="1">
+            <a:schemeClr val="accent6"/>
+          </a:fillRef>
+          <a:effectRef idx="0">
+            <a:schemeClr val="accent6"/>
+          </a:effectRef>
+          <a:fontRef idx="minor">
+            <a:schemeClr val="lt1"/>
+          </a:fontRef>
+        </p:style>
+        <p:txBody>
+          <a:bodyPr wrap="square" rtlCol="0">
+            <a:spAutoFit/>
+          </a:bodyPr>
+          <a:lstStyle/>
+          <a:p>
+            <a:r>
+              <a:rPr lang="es-MX" dirty="0"/>
+              <a:t>¿Cuál sería la interpretación de la mediana en términos de los </a:t>
+            </a:r>
+            <a:r>
+              <a:rPr lang="es-MX" dirty="0" err="1"/>
+              <a:t>porcentiles</a:t>
+            </a:r>
+            <a:r>
+              <a:rPr lang="es-MX" dirty="0"/>
+              <a:t>, los deciles y los cuartiles?</a:t>
+            </a:r>
+            <a:endParaRPr lang="es-CO" dirty="0"/>
+          </a:p>
+        </p:txBody>
+      </p:sp>
+    </p:spTree>
+    <p:extLst>
+      <p:ext uri="{BB962C8B-B14F-4D97-AF65-F5344CB8AC3E}">
+        <p14:creationId xmlns:p14="http://schemas.microsoft.com/office/powerpoint/2010/main" val="2898565045"/>
+      </p:ext>
+    </p:extLst>
+  </p:cSld>
+  <p:clrMapOvr>
+    <a:masterClrMapping/>
+  </p:clrMapOvr>
+  <p:timing>
+    <p:tnLst>
+      <p:par>
+        <p:cTn id="1" dur="indefinite" restart="never" nodeType="tmRoot">
+          <p:childTnLst>
+            <p:seq concurrent="1" nextAc="seek">
+              <p:cTn id="2" dur="indefinite" nodeType="mainSeq">
+                <p:childTnLst>
+                  <p:par>
+                    <p:cTn id="3" fill="hold">
+                      <p:stCondLst>
+                        <p:cond delay="indefinite"/>
+                      </p:stCondLst>
+                      <p:childTnLst>
+                        <p:par>
+                          <p:cTn id="4" fill="hold">
+                            <p:stCondLst>
+                              <p:cond delay="0"/>
+                            </p:stCondLst>
+                            <p:childTnLst>
+                              <p:par>
+                                <p:cTn id="5" presetID="1" presetClass="entr" presetSubtype="0" fill="hold" grpId="0" nodeType="clickEffect">
+                                  <p:stCondLst>
+                                    <p:cond delay="0"/>
+                                  </p:stCondLst>
+                                  <p:childTnLst>
+                                    <p:set>
+                                      <p:cBhvr>
+                                        <p:cTn id="6" dur="1" fill="hold">
+                                          <p:stCondLst>
+                                            <p:cond delay="0"/>
+                                          </p:stCondLst>
+                                        </p:cTn>
+                                        <p:tgtEl>
+                                          <p:spTgt spid="4"/>
+                                        </p:tgtEl>
+                                        <p:attrNameLst>
+                                          <p:attrName>style.visibility</p:attrName>
+                                        </p:attrNameLst>
+                                      </p:cBhvr>
+                                      <p:to>
+                                        <p:strVal val="visible"/>
+                                      </p:to>
+                                    </p:set>
+                                  </p:childTnLst>
+                                </p:cTn>
+                              </p:par>
+                            </p:childTnLst>
+                          </p:cTn>
+                        </p:par>
+                      </p:childTnLst>
+                    </p:cTn>
+                  </p:par>
+                </p:childTnLst>
+              </p:cTn>
+              <p:prevCondLst>
+                <p:cond evt="onPrev" delay="0">
+                  <p:tgtEl>
+                    <p:sldTgt/>
+                  </p:tgtEl>
+                </p:cond>
+              </p:prevCondLst>
+              <p:nextCondLst>
+                <p:cond evt="onNext" delay="0">
+                  <p:tgtEl>
+                    <p:sldTgt/>
+                  </p:tgtEl>
+                </p:cond>
+              </p:nextCondLst>
+            </p:seq>
+          </p:childTnLst>
+        </p:cTn>
+      </p:par>
+    </p:tnLst>
+    <p:bldLst>
+      <p:bldP spid="4" grpId="0" animBg="1"/>
+    </p:bldLst>
+  </p:timing>
 </p:sld>
 </file>
 
